--- a/proposal.pptx
+++ b/proposal.pptx
@@ -4,10 +4,15 @@
   <p:sldMasterIdLst>
     <p:sldMasterId id="2147483648" r:id="rId1"/>
   </p:sldMasterIdLst>
+  <p:notesMasterIdLst>
+    <p:notesMasterId r:id="rId7"/>
+  </p:notesMasterIdLst>
   <p:sldIdLst>
     <p:sldId id="256" r:id="rId2"/>
     <p:sldId id="258" r:id="rId3"/>
     <p:sldId id="257" r:id="rId4"/>
+    <p:sldId id="259" r:id="rId5"/>
+    <p:sldId id="260" r:id="rId6"/>
   </p:sldIdLst>
   <p:sldSz cx="12192000" cy="6858000"/>
   <p:notesSz cx="6858000" cy="9144000"/>
@@ -106,7 +111,560 @@
       </a:defRPr>
     </a:lvl9pPr>
   </p:defaultTextStyle>
+  <p:extLst>
+    <p:ext uri="{EFAFB233-063F-42B5-8137-9DF3F51BA10A}">
+      <p15:sldGuideLst xmlns:p15="http://schemas.microsoft.com/office/powerpoint/2012/main"/>
+    </p:ext>
+  </p:extLst>
 </p:presentation>
+</file>
+
+<file path=ppt/notesMasters/notesMaster1.xml><?xml version="1.0" encoding="utf-8"?>
+<p:notesMaster xmlns:a="http://schemas.openxmlformats.org/drawingml/2006/main" xmlns:r="http://schemas.openxmlformats.org/officeDocument/2006/relationships" xmlns:p="http://schemas.openxmlformats.org/presentationml/2006/main">
+  <p:cSld>
+    <p:bg>
+      <p:bgRef idx="1001">
+        <a:schemeClr val="bg1"/>
+      </p:bgRef>
+    </p:bg>
+    <p:spTree>
+      <p:nvGrpSpPr>
+        <p:cNvPr id="1" name=""/>
+        <p:cNvGrpSpPr/>
+        <p:nvPr/>
+      </p:nvGrpSpPr>
+      <p:grpSpPr>
+        <a:xfrm>
+          <a:off x="0" y="0"/>
+          <a:ext cx="0" cy="0"/>
+          <a:chOff x="0" y="0"/>
+          <a:chExt cx="0" cy="0"/>
+        </a:xfrm>
+      </p:grpSpPr>
+      <p:sp>
+        <p:nvSpPr>
+          <p:cNvPr id="2" name="Header Placeholder 1"/>
+          <p:cNvSpPr>
+            <a:spLocks noGrp="1"/>
+          </p:cNvSpPr>
+          <p:nvPr>
+            <p:ph type="hdr" sz="quarter"/>
+          </p:nvPr>
+        </p:nvSpPr>
+        <p:spPr>
+          <a:xfrm>
+            <a:off x="0" y="0"/>
+            <a:ext cx="2971800" cy="458788"/>
+          </a:xfrm>
+          <a:prstGeom prst="rect">
+            <a:avLst/>
+          </a:prstGeom>
+        </p:spPr>
+        <p:txBody>
+          <a:bodyPr vert="horz" lIns="91440" tIns="45720" rIns="91440" bIns="45720" rtlCol="0"/>
+          <a:lstStyle>
+            <a:lvl1pPr algn="l">
+              <a:defRPr sz="1200"/>
+            </a:lvl1pPr>
+          </a:lstStyle>
+          <a:p>
+            <a:endParaRPr lang="en-US"/>
+          </a:p>
+        </p:txBody>
+      </p:sp>
+      <p:sp>
+        <p:nvSpPr>
+          <p:cNvPr id="3" name="Date Placeholder 2"/>
+          <p:cNvSpPr>
+            <a:spLocks noGrp="1"/>
+          </p:cNvSpPr>
+          <p:nvPr>
+            <p:ph type="dt" idx="1"/>
+          </p:nvPr>
+        </p:nvSpPr>
+        <p:spPr>
+          <a:xfrm>
+            <a:off x="3884613" y="0"/>
+            <a:ext cx="2971800" cy="458788"/>
+          </a:xfrm>
+          <a:prstGeom prst="rect">
+            <a:avLst/>
+          </a:prstGeom>
+        </p:spPr>
+        <p:txBody>
+          <a:bodyPr vert="horz" lIns="91440" tIns="45720" rIns="91440" bIns="45720" rtlCol="0"/>
+          <a:lstStyle>
+            <a:lvl1pPr algn="r">
+              <a:defRPr sz="1200"/>
+            </a:lvl1pPr>
+          </a:lstStyle>
+          <a:p>
+            <a:fld id="{12CF1046-321D-3A43-A56C-0A29D371A774}" type="datetimeFigureOut">
+              <a:rPr lang="en-US" smtClean="0"/>
+              <a:t>10/29/19</a:t>
+            </a:fld>
+            <a:endParaRPr lang="en-US"/>
+          </a:p>
+        </p:txBody>
+      </p:sp>
+      <p:sp>
+        <p:nvSpPr>
+          <p:cNvPr id="4" name="Slide Image Placeholder 3"/>
+          <p:cNvSpPr>
+            <a:spLocks noGrp="1" noRot="1" noChangeAspect="1"/>
+          </p:cNvSpPr>
+          <p:nvPr>
+            <p:ph type="sldImg" idx="2"/>
+          </p:nvPr>
+        </p:nvSpPr>
+        <p:spPr>
+          <a:xfrm>
+            <a:off x="685800" y="1143000"/>
+            <a:ext cx="5486400" cy="3086100"/>
+          </a:xfrm>
+          <a:prstGeom prst="rect">
+            <a:avLst/>
+          </a:prstGeom>
+          <a:noFill/>
+          <a:ln w="12700">
+            <a:solidFill>
+              <a:prstClr val="black"/>
+            </a:solidFill>
+          </a:ln>
+        </p:spPr>
+        <p:txBody>
+          <a:bodyPr vert="horz" lIns="91440" tIns="45720" rIns="91440" bIns="45720" rtlCol="0" anchor="ctr"/>
+          <a:lstStyle/>
+          <a:p>
+            <a:endParaRPr lang="en-US"/>
+          </a:p>
+        </p:txBody>
+      </p:sp>
+      <p:sp>
+        <p:nvSpPr>
+          <p:cNvPr id="5" name="Notes Placeholder 4"/>
+          <p:cNvSpPr>
+            <a:spLocks noGrp="1"/>
+          </p:cNvSpPr>
+          <p:nvPr>
+            <p:ph type="body" sz="quarter" idx="3"/>
+          </p:nvPr>
+        </p:nvSpPr>
+        <p:spPr>
+          <a:xfrm>
+            <a:off x="685800" y="4400550"/>
+            <a:ext cx="5486400" cy="3600450"/>
+          </a:xfrm>
+          <a:prstGeom prst="rect">
+            <a:avLst/>
+          </a:prstGeom>
+        </p:spPr>
+        <p:txBody>
+          <a:bodyPr vert="horz" lIns="91440" tIns="45720" rIns="91440" bIns="45720" rtlCol="0"/>
+          <a:lstStyle/>
+          <a:p>
+            <a:pPr lvl="0"/>
+            <a:r>
+              <a:rPr lang="en-GB"/>
+              <a:t>Click to edit Master text styles</a:t>
+            </a:r>
+          </a:p>
+          <a:p>
+            <a:pPr lvl="1"/>
+            <a:r>
+              <a:rPr lang="en-GB"/>
+              <a:t>Second level</a:t>
+            </a:r>
+          </a:p>
+          <a:p>
+            <a:pPr lvl="2"/>
+            <a:r>
+              <a:rPr lang="en-GB"/>
+              <a:t>Third level</a:t>
+            </a:r>
+          </a:p>
+          <a:p>
+            <a:pPr lvl="3"/>
+            <a:r>
+              <a:rPr lang="en-GB"/>
+              <a:t>Fourth level</a:t>
+            </a:r>
+          </a:p>
+          <a:p>
+            <a:pPr lvl="4"/>
+            <a:r>
+              <a:rPr lang="en-GB"/>
+              <a:t>Fifth level</a:t>
+            </a:r>
+            <a:endParaRPr lang="en-US"/>
+          </a:p>
+        </p:txBody>
+      </p:sp>
+      <p:sp>
+        <p:nvSpPr>
+          <p:cNvPr id="6" name="Footer Placeholder 5"/>
+          <p:cNvSpPr>
+            <a:spLocks noGrp="1"/>
+          </p:cNvSpPr>
+          <p:nvPr>
+            <p:ph type="ftr" sz="quarter" idx="4"/>
+          </p:nvPr>
+        </p:nvSpPr>
+        <p:spPr>
+          <a:xfrm>
+            <a:off x="0" y="8685213"/>
+            <a:ext cx="2971800" cy="458787"/>
+          </a:xfrm>
+          <a:prstGeom prst="rect">
+            <a:avLst/>
+          </a:prstGeom>
+        </p:spPr>
+        <p:txBody>
+          <a:bodyPr vert="horz" lIns="91440" tIns="45720" rIns="91440" bIns="45720" rtlCol="0" anchor="b"/>
+          <a:lstStyle>
+            <a:lvl1pPr algn="l">
+              <a:defRPr sz="1200"/>
+            </a:lvl1pPr>
+          </a:lstStyle>
+          <a:p>
+            <a:endParaRPr lang="en-US"/>
+          </a:p>
+        </p:txBody>
+      </p:sp>
+      <p:sp>
+        <p:nvSpPr>
+          <p:cNvPr id="7" name="Slide Number Placeholder 6"/>
+          <p:cNvSpPr>
+            <a:spLocks noGrp="1"/>
+          </p:cNvSpPr>
+          <p:nvPr>
+            <p:ph type="sldNum" sz="quarter" idx="5"/>
+          </p:nvPr>
+        </p:nvSpPr>
+        <p:spPr>
+          <a:xfrm>
+            <a:off x="3884613" y="8685213"/>
+            <a:ext cx="2971800" cy="458787"/>
+          </a:xfrm>
+          <a:prstGeom prst="rect">
+            <a:avLst/>
+          </a:prstGeom>
+        </p:spPr>
+        <p:txBody>
+          <a:bodyPr vert="horz" lIns="91440" tIns="45720" rIns="91440" bIns="45720" rtlCol="0" anchor="b"/>
+          <a:lstStyle>
+            <a:lvl1pPr algn="r">
+              <a:defRPr sz="1200"/>
+            </a:lvl1pPr>
+          </a:lstStyle>
+          <a:p>
+            <a:fld id="{6842E0D0-BDBC-B740-A62F-729E040551DA}" type="slidenum">
+              <a:rPr lang="en-US" smtClean="0"/>
+              <a:t>‹#›</a:t>
+            </a:fld>
+            <a:endParaRPr lang="en-US"/>
+          </a:p>
+        </p:txBody>
+      </p:sp>
+    </p:spTree>
+    <p:extLst>
+      <p:ext uri="{BB962C8B-B14F-4D97-AF65-F5344CB8AC3E}">
+        <p14:creationId xmlns:p14="http://schemas.microsoft.com/office/powerpoint/2010/main" val="384563484"/>
+      </p:ext>
+    </p:extLst>
+  </p:cSld>
+  <p:clrMap bg1="lt1" tx1="dk1" bg2="lt2" tx2="dk2" accent1="accent1" accent2="accent2" accent3="accent3" accent4="accent4" accent5="accent5" accent6="accent6" hlink="hlink" folHlink="folHlink"/>
+  <p:notesStyle>
+    <a:lvl1pPr marL="0" algn="l" defTabSz="914400" rtl="0" eaLnBrk="1" latinLnBrk="0" hangingPunct="1">
+      <a:defRPr sz="1200" kern="1200">
+        <a:solidFill>
+          <a:schemeClr val="tx1"/>
+        </a:solidFill>
+        <a:latin typeface="+mn-lt"/>
+        <a:ea typeface="+mn-ea"/>
+        <a:cs typeface="+mn-cs"/>
+      </a:defRPr>
+    </a:lvl1pPr>
+    <a:lvl2pPr marL="457200" algn="l" defTabSz="914400" rtl="0" eaLnBrk="1" latinLnBrk="0" hangingPunct="1">
+      <a:defRPr sz="1200" kern="1200">
+        <a:solidFill>
+          <a:schemeClr val="tx1"/>
+        </a:solidFill>
+        <a:latin typeface="+mn-lt"/>
+        <a:ea typeface="+mn-ea"/>
+        <a:cs typeface="+mn-cs"/>
+      </a:defRPr>
+    </a:lvl2pPr>
+    <a:lvl3pPr marL="914400" algn="l" defTabSz="914400" rtl="0" eaLnBrk="1" latinLnBrk="0" hangingPunct="1">
+      <a:defRPr sz="1200" kern="1200">
+        <a:solidFill>
+          <a:schemeClr val="tx1"/>
+        </a:solidFill>
+        <a:latin typeface="+mn-lt"/>
+        <a:ea typeface="+mn-ea"/>
+        <a:cs typeface="+mn-cs"/>
+      </a:defRPr>
+    </a:lvl3pPr>
+    <a:lvl4pPr marL="1371600" algn="l" defTabSz="914400" rtl="0" eaLnBrk="1" latinLnBrk="0" hangingPunct="1">
+      <a:defRPr sz="1200" kern="1200">
+        <a:solidFill>
+          <a:schemeClr val="tx1"/>
+        </a:solidFill>
+        <a:latin typeface="+mn-lt"/>
+        <a:ea typeface="+mn-ea"/>
+        <a:cs typeface="+mn-cs"/>
+      </a:defRPr>
+    </a:lvl4pPr>
+    <a:lvl5pPr marL="1828800" algn="l" defTabSz="914400" rtl="0" eaLnBrk="1" latinLnBrk="0" hangingPunct="1">
+      <a:defRPr sz="1200" kern="1200">
+        <a:solidFill>
+          <a:schemeClr val="tx1"/>
+        </a:solidFill>
+        <a:latin typeface="+mn-lt"/>
+        <a:ea typeface="+mn-ea"/>
+        <a:cs typeface="+mn-cs"/>
+      </a:defRPr>
+    </a:lvl5pPr>
+    <a:lvl6pPr marL="2286000" algn="l" defTabSz="914400" rtl="0" eaLnBrk="1" latinLnBrk="0" hangingPunct="1">
+      <a:defRPr sz="1200" kern="1200">
+        <a:solidFill>
+          <a:schemeClr val="tx1"/>
+        </a:solidFill>
+        <a:latin typeface="+mn-lt"/>
+        <a:ea typeface="+mn-ea"/>
+        <a:cs typeface="+mn-cs"/>
+      </a:defRPr>
+    </a:lvl6pPr>
+    <a:lvl7pPr marL="2743200" algn="l" defTabSz="914400" rtl="0" eaLnBrk="1" latinLnBrk="0" hangingPunct="1">
+      <a:defRPr sz="1200" kern="1200">
+        <a:solidFill>
+          <a:schemeClr val="tx1"/>
+        </a:solidFill>
+        <a:latin typeface="+mn-lt"/>
+        <a:ea typeface="+mn-ea"/>
+        <a:cs typeface="+mn-cs"/>
+      </a:defRPr>
+    </a:lvl7pPr>
+    <a:lvl8pPr marL="3200400" algn="l" defTabSz="914400" rtl="0" eaLnBrk="1" latinLnBrk="0" hangingPunct="1">
+      <a:defRPr sz="1200" kern="1200">
+        <a:solidFill>
+          <a:schemeClr val="tx1"/>
+        </a:solidFill>
+        <a:latin typeface="+mn-lt"/>
+        <a:ea typeface="+mn-ea"/>
+        <a:cs typeface="+mn-cs"/>
+      </a:defRPr>
+    </a:lvl8pPr>
+    <a:lvl9pPr marL="3657600" algn="l" defTabSz="914400" rtl="0" eaLnBrk="1" latinLnBrk="0" hangingPunct="1">
+      <a:defRPr sz="1200" kern="1200">
+        <a:solidFill>
+          <a:schemeClr val="tx1"/>
+        </a:solidFill>
+        <a:latin typeface="+mn-lt"/>
+        <a:ea typeface="+mn-ea"/>
+        <a:cs typeface="+mn-cs"/>
+      </a:defRPr>
+    </a:lvl9pPr>
+  </p:notesStyle>
+</p:notesMaster>
+</file>
+
+<file path=ppt/notesSlides/notesSlide1.xml><?xml version="1.0" encoding="utf-8"?>
+<p:notes xmlns:a="http://schemas.openxmlformats.org/drawingml/2006/main" xmlns:r="http://schemas.openxmlformats.org/officeDocument/2006/relationships" xmlns:p="http://schemas.openxmlformats.org/presentationml/2006/main">
+  <p:cSld>
+    <p:spTree>
+      <p:nvGrpSpPr>
+        <p:cNvPr id="1" name=""/>
+        <p:cNvGrpSpPr/>
+        <p:nvPr/>
+      </p:nvGrpSpPr>
+      <p:grpSpPr>
+        <a:xfrm>
+          <a:off x="0" y="0"/>
+          <a:ext cx="0" cy="0"/>
+          <a:chOff x="0" y="0"/>
+          <a:chExt cx="0" cy="0"/>
+        </a:xfrm>
+      </p:grpSpPr>
+      <p:sp>
+        <p:nvSpPr>
+          <p:cNvPr id="2" name="Slide Image Placeholder 1"/>
+          <p:cNvSpPr>
+            <a:spLocks noGrp="1" noRot="1" noChangeAspect="1"/>
+          </p:cNvSpPr>
+          <p:nvPr>
+            <p:ph type="sldImg"/>
+          </p:nvPr>
+        </p:nvSpPr>
+        <p:spPr/>
+      </p:sp>
+      <p:sp>
+        <p:nvSpPr>
+          <p:cNvPr id="3" name="Notes Placeholder 2"/>
+          <p:cNvSpPr>
+            <a:spLocks noGrp="1"/>
+          </p:cNvSpPr>
+          <p:nvPr>
+            <p:ph type="body" idx="1"/>
+          </p:nvPr>
+        </p:nvSpPr>
+        <p:spPr/>
+        <p:txBody>
+          <a:bodyPr/>
+          <a:lstStyle/>
+          <a:p>
+            <a:r>
+              <a:rPr lang="en-US" dirty="0"/>
+              <a:t>For all this area including sides of geometry that face away from the light source, we can use a simple technique. Get the surface normal the direction of the light source, both as unit vectors. Then dot-product them, and that's your brightness.</a:t>
+            </a:r>
+          </a:p>
+          <a:p>
+            <a:r>
+              <a:rPr lang="en-US" dirty="0"/>
+              <a:t>... (hand illustration)</a:t>
+            </a:r>
+          </a:p>
+          <a:p>
+            <a:r>
+              <a:rPr lang="en-US" dirty="0"/>
+              <a:t>For shadows, it's more complicated. First of all, we need to render the geometry from the perspective of the light source, but for each pixel, we don't record the red-blue-green values, we record the distance from the geometry to the camera, in this case, the light source. So then we've got a big grid of distance values called a depth texture, but I recommend thinking of it as a distance texture when we're shadow mapping because it's easier to think about and that's what we're going to use it for.</a:t>
+            </a:r>
+          </a:p>
+          <a:p>
+            <a:r>
+              <a:rPr lang="en-US" dirty="0"/>
+              <a:t>Okay great, so we've got a distance texture now. Let's Render the scene from the normal perspective.</a:t>
+            </a:r>
+          </a:p>
+          <a:p>
+            <a:r>
+              <a:rPr lang="en-US" dirty="0"/>
+              <a:t>When rendering as we normally do, every pixel corresponds to a location in world space of course. Using the information of how the distance texture was rendered, we can run the location through a function that will return the corresponding pixel from the distance texture. For example, we now know that this pixel at the corner of the cube corresponds to a pixel here, on the corner of the cube in the center. What does that tell us? It tells the distance from our location to the light source. And you might be thinking "well, if that's the information we're trying to get, why don't we just compare these two points to get the distance? It'll give the same answer." Yes. It will give us the same answer unless the location we're talking about is in shadow. We can't see any shadow from the perspective of the light source. So what the distance pixel tells us is the distance from about here, to the light source. So our two distance values are now different. When they are different, we can confirm that our location is in shadow, and we darken the pixel.</a:t>
+            </a:r>
+          </a:p>
+        </p:txBody>
+      </p:sp>
+      <p:sp>
+        <p:nvSpPr>
+          <p:cNvPr id="4" name="Slide Number Placeholder 3"/>
+          <p:cNvSpPr>
+            <a:spLocks noGrp="1"/>
+          </p:cNvSpPr>
+          <p:nvPr>
+            <p:ph type="sldNum" sz="quarter" idx="5"/>
+          </p:nvPr>
+        </p:nvSpPr>
+        <p:spPr/>
+        <p:txBody>
+          <a:bodyPr/>
+          <a:lstStyle/>
+          <a:p>
+            <a:fld id="{6842E0D0-BDBC-B740-A62F-729E040551DA}" type="slidenum">
+              <a:rPr lang="en-US" smtClean="0"/>
+              <a:t>4</a:t>
+            </a:fld>
+            <a:endParaRPr lang="en-US"/>
+          </a:p>
+        </p:txBody>
+      </p:sp>
+    </p:spTree>
+    <p:extLst>
+      <p:ext uri="{BB962C8B-B14F-4D97-AF65-F5344CB8AC3E}">
+        <p14:creationId xmlns:p14="http://schemas.microsoft.com/office/powerpoint/2010/main" val="1270450289"/>
+      </p:ext>
+    </p:extLst>
+  </p:cSld>
+  <p:clrMapOvr>
+    <a:masterClrMapping/>
+  </p:clrMapOvr>
+</p:notes>
+</file>
+
+<file path=ppt/notesSlides/notesSlide2.xml><?xml version="1.0" encoding="utf-8"?>
+<p:notes xmlns:a="http://schemas.openxmlformats.org/drawingml/2006/main" xmlns:r="http://schemas.openxmlformats.org/officeDocument/2006/relationships" xmlns:p="http://schemas.openxmlformats.org/presentationml/2006/main">
+  <p:cSld>
+    <p:spTree>
+      <p:nvGrpSpPr>
+        <p:cNvPr id="1" name=""/>
+        <p:cNvGrpSpPr/>
+        <p:nvPr/>
+      </p:nvGrpSpPr>
+      <p:grpSpPr>
+        <a:xfrm>
+          <a:off x="0" y="0"/>
+          <a:ext cx="0" cy="0"/>
+          <a:chOff x="0" y="0"/>
+          <a:chExt cx="0" cy="0"/>
+        </a:xfrm>
+      </p:grpSpPr>
+      <p:sp>
+        <p:nvSpPr>
+          <p:cNvPr id="2" name="Slide Image Placeholder 1"/>
+          <p:cNvSpPr>
+            <a:spLocks noGrp="1" noRot="1" noChangeAspect="1"/>
+          </p:cNvSpPr>
+          <p:nvPr>
+            <p:ph type="sldImg"/>
+          </p:nvPr>
+        </p:nvSpPr>
+        <p:spPr/>
+      </p:sp>
+      <p:sp>
+        <p:nvSpPr>
+          <p:cNvPr id="3" name="Notes Placeholder 2"/>
+          <p:cNvSpPr>
+            <a:spLocks noGrp="1"/>
+          </p:cNvSpPr>
+          <p:nvPr>
+            <p:ph type="body" idx="1"/>
+          </p:nvPr>
+        </p:nvSpPr>
+        <p:spPr/>
+        <p:txBody>
+          <a:bodyPr/>
+          <a:lstStyle/>
+          <a:p>
+            <a:r>
+              <a:rPr lang="en-US" dirty="0"/>
+              <a:t>I think the main risk whenever working to a deadline, especially when aiming to learn something new is that I can underestimate how much I can do in the timeframe; there are lots of unknowns; that's kind of the point of this sort of project. I've structured this project so that I get the basics done first (classical shadow mapping) then I can squeeze in as many incremental changes as the time allows.</a:t>
+            </a:r>
+          </a:p>
+        </p:txBody>
+      </p:sp>
+      <p:sp>
+        <p:nvSpPr>
+          <p:cNvPr id="4" name="Slide Number Placeholder 3"/>
+          <p:cNvSpPr>
+            <a:spLocks noGrp="1"/>
+          </p:cNvSpPr>
+          <p:nvPr>
+            <p:ph type="sldNum" sz="quarter" idx="5"/>
+          </p:nvPr>
+        </p:nvSpPr>
+        <p:spPr/>
+        <p:txBody>
+          <a:bodyPr/>
+          <a:lstStyle/>
+          <a:p>
+            <a:fld id="{6842E0D0-BDBC-B740-A62F-729E040551DA}" type="slidenum">
+              <a:rPr lang="en-US" smtClean="0"/>
+              <a:t>5</a:t>
+            </a:fld>
+            <a:endParaRPr lang="en-US"/>
+          </a:p>
+        </p:txBody>
+      </p:sp>
+    </p:spTree>
+    <p:extLst>
+      <p:ext uri="{BB962C8B-B14F-4D97-AF65-F5344CB8AC3E}">
+        <p14:creationId xmlns:p14="http://schemas.microsoft.com/office/powerpoint/2010/main" val="15813692"/>
+      </p:ext>
+    </p:extLst>
+  </p:cSld>
+  <p:clrMapOvr>
+    <a:masterClrMapping/>
+  </p:clrMapOvr>
+</p:notes>
 </file>
 
 <file path=ppt/slideLayouts/slideLayout1.xml><?xml version="1.0" encoding="utf-8"?>
@@ -5696,6 +6254,97 @@
           </a:prstGeom>
         </p:spPr>
       </p:pic>
+      <p:sp>
+        <p:nvSpPr>
+          <p:cNvPr id="4" name="TextBox 3">
+            <a:extLst>
+              <a:ext uri="{FF2B5EF4-FFF2-40B4-BE49-F238E27FC236}">
+                <a16:creationId xmlns:a16="http://schemas.microsoft.com/office/drawing/2014/main" id="{619BDF79-4968-1742-94D6-5C1CA0B4C0E1}"/>
+              </a:ext>
+            </a:extLst>
+          </p:cNvPr>
+          <p:cNvSpPr txBox="1"/>
+          <p:nvPr/>
+        </p:nvSpPr>
+        <p:spPr>
+          <a:xfrm>
+            <a:off x="154431" y="6185384"/>
+            <a:ext cx="8955701" cy="461665"/>
+          </a:xfrm>
+          <a:prstGeom prst="rect">
+            <a:avLst/>
+          </a:prstGeom>
+          <a:noFill/>
+          <a:effectLst>
+            <a:outerShdw blurRad="114300" dist="38100" dir="5400000" algn="ctr" rotWithShape="0">
+              <a:srgbClr val="000000"/>
+            </a:outerShdw>
+          </a:effectLst>
+        </p:spPr>
+        <p:txBody>
+          <a:bodyPr wrap="square" rtlCol="0">
+            <a:spAutoFit/>
+          </a:bodyPr>
+          <a:lstStyle/>
+          <a:p>
+            <a:r>
+              <a:rPr lang="en-US" sz="2400" dirty="0">
+                <a:effectLst>
+                  <a:outerShdw blurRad="50800" dist="50800" dir="5400000" algn="ctr" rotWithShape="0">
+                    <a:schemeClr val="bg1"/>
+                  </a:outerShdw>
+                </a:effectLst>
+                <a:latin typeface="Times" pitchFamily="2" charset="0"/>
+              </a:rPr>
+              <a:t>Image: Durand, 2013 - </a:t>
+            </a:r>
+            <a:r>
+              <a:rPr lang="en-US" sz="2400" dirty="0" err="1">
+                <a:effectLst>
+                  <a:outerShdw blurRad="50800" dist="50800" dir="5400000" algn="ctr" rotWithShape="0">
+                    <a:schemeClr val="bg1"/>
+                  </a:outerShdw>
+                </a:effectLst>
+                <a:latin typeface="Times" pitchFamily="2" charset="0"/>
+              </a:rPr>
+              <a:t>youtube.com</a:t>
+            </a:r>
+            <a:r>
+              <a:rPr lang="en-US" sz="2400" dirty="0">
+                <a:effectLst>
+                  <a:outerShdw blurRad="50800" dist="50800" dir="5400000" algn="ctr" rotWithShape="0">
+                    <a:schemeClr val="bg1"/>
+                  </a:outerShdw>
+                </a:effectLst>
+                <a:latin typeface="Times" pitchFamily="2" charset="0"/>
+              </a:rPr>
+              <a:t>/</a:t>
+            </a:r>
+            <a:r>
+              <a:rPr lang="en-US" sz="2400" dirty="0" err="1">
+                <a:effectLst>
+                  <a:outerShdw blurRad="50800" dist="50800" dir="5400000" algn="ctr" rotWithShape="0">
+                    <a:schemeClr val="bg1"/>
+                  </a:outerShdw>
+                </a:effectLst>
+                <a:latin typeface="Times" pitchFamily="2" charset="0"/>
+              </a:rPr>
+              <a:t>watch?v</a:t>
+            </a:r>
+            <a:r>
+              <a:rPr lang="en-US" sz="2400" dirty="0">
+                <a:effectLst>
+                  <a:outerShdw blurRad="50800" dist="50800" dir="5400000" algn="ctr" rotWithShape="0">
+                    <a:schemeClr val="bg1"/>
+                  </a:outerShdw>
+                </a:effectLst>
+                <a:latin typeface="Times" pitchFamily="2" charset="0"/>
+              </a:rPr>
+              <a:t>=t9v7z6ZXWXg</a:t>
+            </a:r>
+          </a:p>
+        </p:txBody>
+      </p:sp>
     </p:spTree>
     <p:extLst>
       <p:ext uri="{BB962C8B-B14F-4D97-AF65-F5344CB8AC3E}">
@@ -5811,7 +6460,7 @@
                 </a:effectLst>
                 <a:latin typeface="Times" pitchFamily="2" charset="0"/>
               </a:rPr>
-              <a:t>Rendering Light and Shadow with Vulkan</a:t>
+              <a:t>Rendering Light and Shadows with Vulkan</a:t>
             </a:r>
           </a:p>
         </p:txBody>
@@ -5874,13 +6523,13 @@
   <p:clrMapOvr>
     <a:masterClrMapping/>
   </p:clrMapOvr>
-  <mc:AlternateContent xmlns:mc="http://schemas.openxmlformats.org/markup-compatibility/2006">
-    <mc:Choice xmlns:p14="http://schemas.microsoft.com/office/powerpoint/2010/main" Requires="p14">
+  <mc:AlternateContent xmlns:mc="http://schemas.openxmlformats.org/markup-compatibility/2006" xmlns:p14="http://schemas.microsoft.com/office/powerpoint/2010/main">
+    <mc:Choice Requires="p14">
       <p:transition spd="med" p14:dur="700">
         <p:fade/>
       </p:transition>
     </mc:Choice>
-    <mc:Fallback>
+    <mc:Fallback xmlns="">
       <p:transition spd="med">
         <p:fade/>
       </p:transition>
@@ -6044,7 +6693,7 @@
                 </a:effectLst>
                 <a:latin typeface="Times" pitchFamily="2" charset="0"/>
               </a:rPr>
-              <a:t>A “graphics programmer” is a good career path</a:t>
+              <a:t>A graphics/Vulkan programmer is a good career path</a:t>
             </a:r>
           </a:p>
           <a:p>
@@ -6153,6 +6802,616 @@
     <p:extLst>
       <p:ext uri="{BB962C8B-B14F-4D97-AF65-F5344CB8AC3E}">
         <p14:creationId xmlns:p14="http://schemas.microsoft.com/office/powerpoint/2010/main" val="3284795398"/>
+      </p:ext>
+    </p:extLst>
+  </p:cSld>
+  <p:clrMapOvr>
+    <a:masterClrMapping/>
+  </p:clrMapOvr>
+</p:sld>
+</file>
+
+<file path=ppt/slides/slide4.xml><?xml version="1.0" encoding="utf-8"?>
+<p:sld xmlns:a="http://schemas.openxmlformats.org/drawingml/2006/main" xmlns:r="http://schemas.openxmlformats.org/officeDocument/2006/relationships" xmlns:p="http://schemas.openxmlformats.org/presentationml/2006/main">
+  <p:cSld>
+    <p:spTree>
+      <p:nvGrpSpPr>
+        <p:cNvPr id="1" name=""/>
+        <p:cNvGrpSpPr/>
+        <p:nvPr/>
+      </p:nvGrpSpPr>
+      <p:grpSpPr>
+        <a:xfrm>
+          <a:off x="0" y="0"/>
+          <a:ext cx="0" cy="0"/>
+          <a:chOff x="0" y="0"/>
+          <a:chExt cx="0" cy="0"/>
+        </a:xfrm>
+      </p:grpSpPr>
+      <p:pic>
+        <p:nvPicPr>
+          <p:cNvPr id="5" name="Picture 4">
+            <a:extLst>
+              <a:ext uri="{FF2B5EF4-FFF2-40B4-BE49-F238E27FC236}">
+                <a16:creationId xmlns:a16="http://schemas.microsoft.com/office/drawing/2014/main" id="{BB4CF015-D24E-8A46-AEA2-FA4D01AFE08F}"/>
+              </a:ext>
+            </a:extLst>
+          </p:cNvPr>
+          <p:cNvPicPr>
+            <a:picLocks noChangeAspect="1"/>
+          </p:cNvPicPr>
+          <p:nvPr/>
+        </p:nvPicPr>
+        <p:blipFill>
+          <a:blip r:embed="rId3">
+            <a:extLst>
+              <a:ext uri="{BEBA8EAE-BF5A-486C-A8C5-ECC9F3942E4B}">
+                <a14:imgProps xmlns:a14="http://schemas.microsoft.com/office/drawing/2010/main">
+                  <a14:imgLayer r:embed="rId4">
+                    <a14:imgEffect>
+                      <a14:brightnessContrast bright="-60000"/>
+                    </a14:imgEffect>
+                  </a14:imgLayer>
+                </a14:imgProps>
+              </a:ext>
+            </a:extLst>
+          </a:blip>
+          <a:stretch>
+            <a:fillRect/>
+          </a:stretch>
+        </p:blipFill>
+        <p:spPr>
+          <a:xfrm>
+            <a:off x="0" y="0"/>
+            <a:ext cx="12192000" cy="6858000"/>
+          </a:xfrm>
+          <a:prstGeom prst="rect">
+            <a:avLst/>
+          </a:prstGeom>
+        </p:spPr>
+      </p:pic>
+      <p:sp>
+        <p:nvSpPr>
+          <p:cNvPr id="8" name="TextBox 7">
+            <a:extLst>
+              <a:ext uri="{FF2B5EF4-FFF2-40B4-BE49-F238E27FC236}">
+                <a16:creationId xmlns:a16="http://schemas.microsoft.com/office/drawing/2014/main" id="{023E485F-280A-AA48-8D22-147F5F4D267D}"/>
+              </a:ext>
+            </a:extLst>
+          </p:cNvPr>
+          <p:cNvSpPr txBox="1"/>
+          <p:nvPr/>
+        </p:nvSpPr>
+        <p:spPr>
+          <a:xfrm>
+            <a:off x="804332" y="589422"/>
+            <a:ext cx="10583333" cy="1169551"/>
+          </a:xfrm>
+          <a:prstGeom prst="rect">
+            <a:avLst/>
+          </a:prstGeom>
+          <a:noFill/>
+          <a:effectLst>
+            <a:outerShdw blurRad="114300" dist="38100" dir="5400000" algn="ctr" rotWithShape="0">
+              <a:srgbClr val="000000"/>
+            </a:outerShdw>
+          </a:effectLst>
+        </p:spPr>
+        <p:txBody>
+          <a:bodyPr wrap="square" rtlCol="0">
+            <a:spAutoFit/>
+          </a:bodyPr>
+          <a:lstStyle/>
+          <a:p>
+            <a:r>
+              <a:rPr lang="en-US" sz="7000" dirty="0">
+                <a:effectLst>
+                  <a:outerShdw blurRad="50800" dist="50800" dir="5400000" algn="ctr" rotWithShape="0">
+                    <a:schemeClr val="bg1"/>
+                  </a:outerShdw>
+                </a:effectLst>
+                <a:latin typeface="Times" pitchFamily="2" charset="0"/>
+              </a:rPr>
+              <a:t>How is it Done?</a:t>
+            </a:r>
+          </a:p>
+        </p:txBody>
+      </p:sp>
+      <p:pic>
+        <p:nvPicPr>
+          <p:cNvPr id="3" name="Picture 2">
+            <a:extLst>
+              <a:ext uri="{FF2B5EF4-FFF2-40B4-BE49-F238E27FC236}">
+                <a16:creationId xmlns:a16="http://schemas.microsoft.com/office/drawing/2014/main" id="{7BAD97FF-0EF6-9146-92C5-8AF8637FE23B}"/>
+              </a:ext>
+            </a:extLst>
+          </p:cNvPr>
+          <p:cNvPicPr>
+            <a:picLocks noChangeAspect="1"/>
+          </p:cNvPicPr>
+          <p:nvPr/>
+        </p:nvPicPr>
+        <p:blipFill>
+          <a:blip r:embed="rId5"/>
+          <a:stretch>
+            <a:fillRect/>
+          </a:stretch>
+        </p:blipFill>
+        <p:spPr>
+          <a:xfrm>
+            <a:off x="248120" y="2015067"/>
+            <a:ext cx="11728065" cy="4625775"/>
+          </a:xfrm>
+          <a:prstGeom prst="rect">
+            <a:avLst/>
+          </a:prstGeom>
+        </p:spPr>
+      </p:pic>
+      <p:pic>
+        <p:nvPicPr>
+          <p:cNvPr id="6" name="Picture 5">
+            <a:extLst>
+              <a:ext uri="{FF2B5EF4-FFF2-40B4-BE49-F238E27FC236}">
+                <a16:creationId xmlns:a16="http://schemas.microsoft.com/office/drawing/2014/main" id="{5CEA164C-5177-604C-97BC-CF98282B6132}"/>
+              </a:ext>
+            </a:extLst>
+          </p:cNvPr>
+          <p:cNvPicPr>
+            <a:picLocks noChangeAspect="1"/>
+          </p:cNvPicPr>
+          <p:nvPr/>
+        </p:nvPicPr>
+        <p:blipFill>
+          <a:blip r:embed="rId6"/>
+          <a:stretch>
+            <a:fillRect/>
+          </a:stretch>
+        </p:blipFill>
+        <p:spPr>
+          <a:xfrm>
+            <a:off x="8272019" y="3873612"/>
+            <a:ext cx="3704166" cy="2767230"/>
+          </a:xfrm>
+          <a:prstGeom prst="rect">
+            <a:avLst/>
+          </a:prstGeom>
+        </p:spPr>
+      </p:pic>
+    </p:spTree>
+    <p:extLst>
+      <p:ext uri="{BB962C8B-B14F-4D97-AF65-F5344CB8AC3E}">
+        <p14:creationId xmlns:p14="http://schemas.microsoft.com/office/powerpoint/2010/main" val="2586833218"/>
+      </p:ext>
+    </p:extLst>
+  </p:cSld>
+  <p:clrMapOvr>
+    <a:masterClrMapping/>
+  </p:clrMapOvr>
+  <p:timing>
+    <p:tnLst>
+      <p:par>
+        <p:cTn id="1" dur="indefinite" restart="never" nodeType="tmRoot">
+          <p:childTnLst>
+            <p:seq concurrent="1" nextAc="seek">
+              <p:cTn id="2" dur="indefinite" nodeType="mainSeq">
+                <p:childTnLst>
+                  <p:par>
+                    <p:cTn id="3" fill="hold">
+                      <p:stCondLst>
+                        <p:cond delay="indefinite"/>
+                      </p:stCondLst>
+                      <p:childTnLst>
+                        <p:par>
+                          <p:cTn id="4" fill="hold">
+                            <p:stCondLst>
+                              <p:cond delay="0"/>
+                            </p:stCondLst>
+                            <p:childTnLst>
+                              <p:par>
+                                <p:cTn id="5" presetID="10" presetClass="entr" presetSubtype="0" fill="hold" nodeType="clickEffect">
+                                  <p:stCondLst>
+                                    <p:cond delay="0"/>
+                                  </p:stCondLst>
+                                  <p:childTnLst>
+                                    <p:set>
+                                      <p:cBhvr>
+                                        <p:cTn id="6" dur="1" fill="hold">
+                                          <p:stCondLst>
+                                            <p:cond delay="0"/>
+                                          </p:stCondLst>
+                                        </p:cTn>
+                                        <p:tgtEl>
+                                          <p:spTgt spid="3"/>
+                                        </p:tgtEl>
+                                        <p:attrNameLst>
+                                          <p:attrName>style.visibility</p:attrName>
+                                        </p:attrNameLst>
+                                      </p:cBhvr>
+                                      <p:to>
+                                        <p:strVal val="visible"/>
+                                      </p:to>
+                                    </p:set>
+                                    <p:animEffect transition="in" filter="fade">
+                                      <p:cBhvr>
+                                        <p:cTn id="7" dur="500"/>
+                                        <p:tgtEl>
+                                          <p:spTgt spid="3"/>
+                                        </p:tgtEl>
+                                      </p:cBhvr>
+                                    </p:animEffect>
+                                  </p:childTnLst>
+                                </p:cTn>
+                              </p:par>
+                            </p:childTnLst>
+                          </p:cTn>
+                        </p:par>
+                      </p:childTnLst>
+                    </p:cTn>
+                  </p:par>
+                  <p:par>
+                    <p:cTn id="8" fill="hold">
+                      <p:stCondLst>
+                        <p:cond delay="indefinite"/>
+                      </p:stCondLst>
+                      <p:childTnLst>
+                        <p:par>
+                          <p:cTn id="9" fill="hold">
+                            <p:stCondLst>
+                              <p:cond delay="0"/>
+                            </p:stCondLst>
+                            <p:childTnLst>
+                              <p:par>
+                                <p:cTn id="10" presetID="10" presetClass="entr" presetSubtype="0" fill="hold" nodeType="clickEffect">
+                                  <p:stCondLst>
+                                    <p:cond delay="0"/>
+                                  </p:stCondLst>
+                                  <p:childTnLst>
+                                    <p:set>
+                                      <p:cBhvr>
+                                        <p:cTn id="11" dur="1" fill="hold">
+                                          <p:stCondLst>
+                                            <p:cond delay="0"/>
+                                          </p:stCondLst>
+                                        </p:cTn>
+                                        <p:tgtEl>
+                                          <p:spTgt spid="6"/>
+                                        </p:tgtEl>
+                                        <p:attrNameLst>
+                                          <p:attrName>style.visibility</p:attrName>
+                                        </p:attrNameLst>
+                                      </p:cBhvr>
+                                      <p:to>
+                                        <p:strVal val="visible"/>
+                                      </p:to>
+                                    </p:set>
+                                    <p:animEffect transition="in" filter="fade">
+                                      <p:cBhvr>
+                                        <p:cTn id="12" dur="500"/>
+                                        <p:tgtEl>
+                                          <p:spTgt spid="6"/>
+                                        </p:tgtEl>
+                                      </p:cBhvr>
+                                    </p:animEffect>
+                                  </p:childTnLst>
+                                </p:cTn>
+                              </p:par>
+                            </p:childTnLst>
+                          </p:cTn>
+                        </p:par>
+                      </p:childTnLst>
+                    </p:cTn>
+                  </p:par>
+                </p:childTnLst>
+              </p:cTn>
+              <p:prevCondLst>
+                <p:cond evt="onPrev" delay="0">
+                  <p:tgtEl>
+                    <p:sldTgt/>
+                  </p:tgtEl>
+                </p:cond>
+              </p:prevCondLst>
+              <p:nextCondLst>
+                <p:cond evt="onNext" delay="0">
+                  <p:tgtEl>
+                    <p:sldTgt/>
+                  </p:tgtEl>
+                </p:cond>
+              </p:nextCondLst>
+            </p:seq>
+          </p:childTnLst>
+        </p:cTn>
+      </p:par>
+    </p:tnLst>
+  </p:timing>
+</p:sld>
+</file>
+
+<file path=ppt/slides/slide5.xml><?xml version="1.0" encoding="utf-8"?>
+<p:sld xmlns:a="http://schemas.openxmlformats.org/drawingml/2006/main" xmlns:r="http://schemas.openxmlformats.org/officeDocument/2006/relationships" xmlns:p="http://schemas.openxmlformats.org/presentationml/2006/main">
+  <p:cSld>
+    <p:spTree>
+      <p:nvGrpSpPr>
+        <p:cNvPr id="1" name=""/>
+        <p:cNvGrpSpPr/>
+        <p:nvPr/>
+      </p:nvGrpSpPr>
+      <p:grpSpPr>
+        <a:xfrm>
+          <a:off x="0" y="0"/>
+          <a:ext cx="0" cy="0"/>
+          <a:chOff x="0" y="0"/>
+          <a:chExt cx="0" cy="0"/>
+        </a:xfrm>
+      </p:grpSpPr>
+      <p:pic>
+        <p:nvPicPr>
+          <p:cNvPr id="5" name="Picture 4">
+            <a:extLst>
+              <a:ext uri="{FF2B5EF4-FFF2-40B4-BE49-F238E27FC236}">
+                <a16:creationId xmlns:a16="http://schemas.microsoft.com/office/drawing/2014/main" id="{BB4CF015-D24E-8A46-AEA2-FA4D01AFE08F}"/>
+              </a:ext>
+            </a:extLst>
+          </p:cNvPr>
+          <p:cNvPicPr>
+            <a:picLocks noChangeAspect="1"/>
+          </p:cNvPicPr>
+          <p:nvPr/>
+        </p:nvPicPr>
+        <p:blipFill>
+          <a:blip r:embed="rId3">
+            <a:extLst>
+              <a:ext uri="{BEBA8EAE-BF5A-486C-A8C5-ECC9F3942E4B}">
+                <a14:imgProps xmlns:a14="http://schemas.microsoft.com/office/drawing/2010/main">
+                  <a14:imgLayer r:embed="rId4">
+                    <a14:imgEffect>
+                      <a14:brightnessContrast bright="-60000"/>
+                    </a14:imgEffect>
+                  </a14:imgLayer>
+                </a14:imgProps>
+              </a:ext>
+            </a:extLst>
+          </a:blip>
+          <a:stretch>
+            <a:fillRect/>
+          </a:stretch>
+        </p:blipFill>
+        <p:spPr>
+          <a:xfrm>
+            <a:off x="0" y="0"/>
+            <a:ext cx="12192000" cy="6858000"/>
+          </a:xfrm>
+          <a:prstGeom prst="rect">
+            <a:avLst/>
+          </a:prstGeom>
+        </p:spPr>
+      </p:pic>
+      <p:sp>
+        <p:nvSpPr>
+          <p:cNvPr id="8" name="TextBox 7">
+            <a:extLst>
+              <a:ext uri="{FF2B5EF4-FFF2-40B4-BE49-F238E27FC236}">
+                <a16:creationId xmlns:a16="http://schemas.microsoft.com/office/drawing/2014/main" id="{023E485F-280A-AA48-8D22-147F5F4D267D}"/>
+              </a:ext>
+            </a:extLst>
+          </p:cNvPr>
+          <p:cNvSpPr txBox="1"/>
+          <p:nvPr/>
+        </p:nvSpPr>
+        <p:spPr>
+          <a:xfrm>
+            <a:off x="804332" y="589422"/>
+            <a:ext cx="10583333" cy="1169551"/>
+          </a:xfrm>
+          <a:prstGeom prst="rect">
+            <a:avLst/>
+          </a:prstGeom>
+          <a:noFill/>
+          <a:effectLst>
+            <a:outerShdw blurRad="114300" dist="38100" dir="5400000" algn="ctr" rotWithShape="0">
+              <a:srgbClr val="000000"/>
+            </a:outerShdw>
+          </a:effectLst>
+        </p:spPr>
+        <p:txBody>
+          <a:bodyPr wrap="square" rtlCol="0">
+            <a:spAutoFit/>
+          </a:bodyPr>
+          <a:lstStyle/>
+          <a:p>
+            <a:r>
+              <a:rPr lang="en-US" sz="7000" dirty="0">
+                <a:effectLst>
+                  <a:outerShdw blurRad="50800" dist="50800" dir="5400000" algn="ctr" rotWithShape="0">
+                    <a:schemeClr val="bg1"/>
+                  </a:outerShdw>
+                </a:effectLst>
+                <a:latin typeface="Times" pitchFamily="2" charset="0"/>
+              </a:rPr>
+              <a:t>The Plan &amp; Risk Mitigation</a:t>
+            </a:r>
+          </a:p>
+        </p:txBody>
+      </p:sp>
+      <p:sp>
+        <p:nvSpPr>
+          <p:cNvPr id="9" name="TextBox 8">
+            <a:extLst>
+              <a:ext uri="{FF2B5EF4-FFF2-40B4-BE49-F238E27FC236}">
+                <a16:creationId xmlns:a16="http://schemas.microsoft.com/office/drawing/2014/main" id="{32273716-E588-4A4C-BB67-E8C159E25D43}"/>
+              </a:ext>
+            </a:extLst>
+          </p:cNvPr>
+          <p:cNvSpPr txBox="1"/>
+          <p:nvPr/>
+        </p:nvSpPr>
+        <p:spPr>
+          <a:xfrm>
+            <a:off x="804332" y="1758973"/>
+            <a:ext cx="10583333" cy="4939814"/>
+          </a:xfrm>
+          <a:prstGeom prst="rect">
+            <a:avLst/>
+          </a:prstGeom>
+          <a:noFill/>
+          <a:effectLst>
+            <a:outerShdw blurRad="114300" dist="38100" dir="5400000" algn="ctr" rotWithShape="0">
+              <a:srgbClr val="000000"/>
+            </a:outerShdw>
+          </a:effectLst>
+        </p:spPr>
+        <p:txBody>
+          <a:bodyPr wrap="square" rtlCol="0">
+            <a:spAutoFit/>
+          </a:bodyPr>
+          <a:lstStyle/>
+          <a:p>
+            <a:r>
+              <a:rPr lang="en-US" sz="3400" dirty="0">
+                <a:effectLst>
+                  <a:outerShdw blurRad="50800" dist="50800" dir="5400000" algn="ctr" rotWithShape="0">
+                    <a:schemeClr val="bg1"/>
+                  </a:outerShdw>
+                </a:effectLst>
+                <a:latin typeface="Times" pitchFamily="2" charset="0"/>
+              </a:rPr>
+              <a:t>First two weeks:</a:t>
+            </a:r>
+          </a:p>
+          <a:p>
+            <a:pPr marL="514350" indent="-514350">
+              <a:buFont typeface="+mj-lt"/>
+              <a:buAutoNum type="arabicPeriod"/>
+            </a:pPr>
+            <a:r>
+              <a:rPr lang="en-US" sz="3400" dirty="0">
+                <a:effectLst>
+                  <a:outerShdw blurRad="50800" dist="50800" dir="5400000" algn="ctr" rotWithShape="0">
+                    <a:schemeClr val="bg1"/>
+                  </a:outerShdw>
+                </a:effectLst>
+                <a:latin typeface="Times" pitchFamily="2" charset="0"/>
+              </a:rPr>
+              <a:t>Set up a simple scene</a:t>
+            </a:r>
+          </a:p>
+          <a:p>
+            <a:pPr marL="514350" indent="-514350">
+              <a:buFont typeface="+mj-lt"/>
+              <a:buAutoNum type="arabicPeriod"/>
+            </a:pPr>
+            <a:r>
+              <a:rPr lang="en-US" sz="3400" dirty="0">
+                <a:effectLst>
+                  <a:outerShdw blurRad="50800" dist="50800" dir="5400000" algn="ctr" rotWithShape="0">
+                    <a:schemeClr val="bg1"/>
+                  </a:outerShdw>
+                </a:effectLst>
+                <a:latin typeface="Times" pitchFamily="2" charset="0"/>
+              </a:rPr>
+              <a:t>Implement basic lighting and shadows</a:t>
+            </a:r>
+          </a:p>
+          <a:p>
+            <a:pPr marL="514350" indent="-514350">
+              <a:buFont typeface="+mj-lt"/>
+              <a:buAutoNum type="arabicPeriod"/>
+            </a:pPr>
+            <a:endParaRPr lang="en-US" sz="3400" dirty="0">
+              <a:effectLst>
+                <a:outerShdw blurRad="50800" dist="50800" dir="5400000" algn="ctr" rotWithShape="0">
+                  <a:schemeClr val="bg1"/>
+                </a:outerShdw>
+              </a:effectLst>
+              <a:latin typeface="Times" pitchFamily="2" charset="0"/>
+            </a:endParaRPr>
+          </a:p>
+          <a:p>
+            <a:r>
+              <a:rPr lang="en-US" sz="3400" dirty="0">
+                <a:effectLst>
+                  <a:outerShdw blurRad="50800" dist="50800" dir="5400000" algn="ctr" rotWithShape="0">
+                    <a:schemeClr val="bg1"/>
+                  </a:outerShdw>
+                </a:effectLst>
+                <a:latin typeface="Times" pitchFamily="2" charset="0"/>
+              </a:rPr>
+              <a:t>Remaining time:</a:t>
+            </a:r>
+          </a:p>
+          <a:p>
+            <a:pPr marL="514350" indent="-514350">
+              <a:buFont typeface="+mj-lt"/>
+              <a:buAutoNum type="arabicPeriod"/>
+            </a:pPr>
+            <a:r>
+              <a:rPr lang="en-US" sz="3400" dirty="0">
+                <a:effectLst>
+                  <a:outerShdw blurRad="50800" dist="50800" dir="5400000" algn="ctr" rotWithShape="0">
+                    <a:schemeClr val="bg1"/>
+                  </a:outerShdw>
+                </a:effectLst>
+                <a:latin typeface="Times" pitchFamily="2" charset="0"/>
+              </a:rPr>
+              <a:t>Research</a:t>
+            </a:r>
+          </a:p>
+          <a:p>
+            <a:pPr marL="514350" indent="-514350">
+              <a:buFont typeface="+mj-lt"/>
+              <a:buAutoNum type="arabicPeriod"/>
+            </a:pPr>
+            <a:r>
+              <a:rPr lang="en-US" sz="3400" dirty="0">
+                <a:effectLst>
+                  <a:outerShdw blurRad="50800" dist="50800" dir="5400000" algn="ctr" rotWithShape="0">
+                    <a:schemeClr val="bg1"/>
+                  </a:outerShdw>
+                </a:effectLst>
+                <a:latin typeface="Times" pitchFamily="2" charset="0"/>
+              </a:rPr>
+              <a:t>Develop</a:t>
+            </a:r>
+          </a:p>
+          <a:p>
+            <a:pPr marL="514350" indent="-514350">
+              <a:buFont typeface="+mj-lt"/>
+              <a:buAutoNum type="arabicPeriod"/>
+            </a:pPr>
+            <a:r>
+              <a:rPr lang="en-US" sz="3400" dirty="0">
+                <a:effectLst>
+                  <a:outerShdw blurRad="50800" dist="50800" dir="5400000" algn="ctr" rotWithShape="0">
+                    <a:schemeClr val="bg1"/>
+                  </a:outerShdw>
+                </a:effectLst>
+                <a:latin typeface="Times" pitchFamily="2" charset="0"/>
+              </a:rPr>
+              <a:t>Document</a:t>
+            </a:r>
+          </a:p>
+          <a:p>
+            <a:pPr marL="514350" indent="-514350">
+              <a:buFont typeface="+mj-lt"/>
+              <a:buAutoNum type="arabicPeriod"/>
+            </a:pPr>
+            <a:r>
+              <a:rPr lang="en-US" sz="3400" dirty="0">
+                <a:effectLst>
+                  <a:outerShdw blurRad="50800" dist="50800" dir="5400000" algn="ctr" rotWithShape="0">
+                    <a:schemeClr val="bg1"/>
+                  </a:outerShdw>
+                </a:effectLst>
+                <a:latin typeface="Times" pitchFamily="2" charset="0"/>
+              </a:rPr>
+              <a:t>Repeat</a:t>
+            </a:r>
+          </a:p>
+        </p:txBody>
+      </p:sp>
+    </p:spTree>
+    <p:extLst>
+      <p:ext uri="{BB962C8B-B14F-4D97-AF65-F5344CB8AC3E}">
+        <p14:creationId xmlns:p14="http://schemas.microsoft.com/office/powerpoint/2010/main" val="303264683"/>
       </p:ext>
     </p:extLst>
   </p:cSld>
@@ -6416,4 +7675,299 @@
     </a:ext>
   </a:extLst>
 </a:theme>
+</file>
+
+<file path=ppt/theme/theme2.xml><?xml version="1.0" encoding="utf-8"?>
+<a:theme xmlns:a="http://schemas.openxmlformats.org/drawingml/2006/main" name="Office Theme">
+  <a:themeElements>
+    <a:clrScheme name="Office">
+      <a:dk1>
+        <a:sysClr val="windowText" lastClr="000000"/>
+      </a:dk1>
+      <a:lt1>
+        <a:sysClr val="window" lastClr="FFFFFF"/>
+      </a:lt1>
+      <a:dk2>
+        <a:srgbClr val="44546A"/>
+      </a:dk2>
+      <a:lt2>
+        <a:srgbClr val="E7E6E6"/>
+      </a:lt2>
+      <a:accent1>
+        <a:srgbClr val="4472C4"/>
+      </a:accent1>
+      <a:accent2>
+        <a:srgbClr val="ED7D31"/>
+      </a:accent2>
+      <a:accent3>
+        <a:srgbClr val="A5A5A5"/>
+      </a:accent3>
+      <a:accent4>
+        <a:srgbClr val="FFC000"/>
+      </a:accent4>
+      <a:accent5>
+        <a:srgbClr val="5B9BD5"/>
+      </a:accent5>
+      <a:accent6>
+        <a:srgbClr val="70AD47"/>
+      </a:accent6>
+      <a:hlink>
+        <a:srgbClr val="0563C1"/>
+      </a:hlink>
+      <a:folHlink>
+        <a:srgbClr val="954F72"/>
+      </a:folHlink>
+    </a:clrScheme>
+    <a:fontScheme name="Office">
+      <a:majorFont>
+        <a:latin typeface="Calibri Light" panose="020F0302020204030204"/>
+        <a:ea typeface=""/>
+        <a:cs typeface=""/>
+        <a:font script="Jpan" typeface="游ゴシック Light"/>
+        <a:font script="Hang" typeface="맑은 고딕"/>
+        <a:font script="Hans" typeface="等线 Light"/>
+        <a:font script="Hant" typeface="新細明體"/>
+        <a:font script="Arab" typeface="Times New Roman"/>
+        <a:font script="Hebr" typeface="Times New Roman"/>
+        <a:font script="Thai" typeface="Angsana New"/>
+        <a:font script="Ethi" typeface="Nyala"/>
+        <a:font script="Beng" typeface="Vrinda"/>
+        <a:font script="Gujr" typeface="Shruti"/>
+        <a:font script="Khmr" typeface="MoolBoran"/>
+        <a:font script="Knda" typeface="Tunga"/>
+        <a:font script="Guru" typeface="Raavi"/>
+        <a:font script="Cans" typeface="Euphemia"/>
+        <a:font script="Cher" typeface="Plantagenet Cherokee"/>
+        <a:font script="Yiii" typeface="Microsoft Yi Baiti"/>
+        <a:font script="Tibt" typeface="Microsoft Himalaya"/>
+        <a:font script="Thaa" typeface="MV Boli"/>
+        <a:font script="Deva" typeface="Mangal"/>
+        <a:font script="Telu" typeface="Gautami"/>
+        <a:font script="Taml" typeface="Latha"/>
+        <a:font script="Syrc" typeface="Estrangelo Edessa"/>
+        <a:font script="Orya" typeface="Kalinga"/>
+        <a:font script="Mlym" typeface="Kartika"/>
+        <a:font script="Laoo" typeface="DokChampa"/>
+        <a:font script="Sinh" typeface="Iskoola Pota"/>
+        <a:font script="Mong" typeface="Mongolian Baiti"/>
+        <a:font script="Viet" typeface="Times New Roman"/>
+        <a:font script="Uigh" typeface="Microsoft Uighur"/>
+        <a:font script="Geor" typeface="Sylfaen"/>
+        <a:font script="Armn" typeface="Arial"/>
+        <a:font script="Bugi" typeface="Leelawadee UI"/>
+        <a:font script="Bopo" typeface="Microsoft JhengHei"/>
+        <a:font script="Java" typeface="Javanese Text"/>
+        <a:font script="Lisu" typeface="Segoe UI"/>
+        <a:font script="Mymr" typeface="Myanmar Text"/>
+        <a:font script="Nkoo" typeface="Ebrima"/>
+        <a:font script="Olck" typeface="Nirmala UI"/>
+        <a:font script="Osma" typeface="Ebrima"/>
+        <a:font script="Phag" typeface="Phagspa"/>
+        <a:font script="Syrn" typeface="Estrangelo Edessa"/>
+        <a:font script="Syrj" typeface="Estrangelo Edessa"/>
+        <a:font script="Syre" typeface="Estrangelo Edessa"/>
+        <a:font script="Sora" typeface="Nirmala UI"/>
+        <a:font script="Tale" typeface="Microsoft Tai Le"/>
+        <a:font script="Talu" typeface="Microsoft New Tai Lue"/>
+        <a:font script="Tfng" typeface="Ebrima"/>
+      </a:majorFont>
+      <a:minorFont>
+        <a:latin typeface="Calibri" panose="020F0502020204030204"/>
+        <a:ea typeface=""/>
+        <a:cs typeface=""/>
+        <a:font script="Jpan" typeface="游ゴシック"/>
+        <a:font script="Hang" typeface="맑은 고딕"/>
+        <a:font script="Hans" typeface="等线"/>
+        <a:font script="Hant" typeface="新細明體"/>
+        <a:font script="Arab" typeface="Arial"/>
+        <a:font script="Hebr" typeface="Arial"/>
+        <a:font script="Thai" typeface="Cordia New"/>
+        <a:font script="Ethi" typeface="Nyala"/>
+        <a:font script="Beng" typeface="Vrinda"/>
+        <a:font script="Gujr" typeface="Shruti"/>
+        <a:font script="Khmr" typeface="DaunPenh"/>
+        <a:font script="Knda" typeface="Tunga"/>
+        <a:font script="Guru" typeface="Raavi"/>
+        <a:font script="Cans" typeface="Euphemia"/>
+        <a:font script="Cher" typeface="Plantagenet Cherokee"/>
+        <a:font script="Yiii" typeface="Microsoft Yi Baiti"/>
+        <a:font script="Tibt" typeface="Microsoft Himalaya"/>
+        <a:font script="Thaa" typeface="MV Boli"/>
+        <a:font script="Deva" typeface="Mangal"/>
+        <a:font script="Telu" typeface="Gautami"/>
+        <a:font script="Taml" typeface="Latha"/>
+        <a:font script="Syrc" typeface="Estrangelo Edessa"/>
+        <a:font script="Orya" typeface="Kalinga"/>
+        <a:font script="Mlym" typeface="Kartika"/>
+        <a:font script="Laoo" typeface="DokChampa"/>
+        <a:font script="Sinh" typeface="Iskoola Pota"/>
+        <a:font script="Mong" typeface="Mongolian Baiti"/>
+        <a:font script="Viet" typeface="Arial"/>
+        <a:font script="Uigh" typeface="Microsoft Uighur"/>
+        <a:font script="Geor" typeface="Sylfaen"/>
+        <a:font script="Armn" typeface="Arial"/>
+        <a:font script="Bugi" typeface="Leelawadee UI"/>
+        <a:font script="Bopo" typeface="Microsoft JhengHei"/>
+        <a:font script="Java" typeface="Javanese Text"/>
+        <a:font script="Lisu" typeface="Segoe UI"/>
+        <a:font script="Mymr" typeface="Myanmar Text"/>
+        <a:font script="Nkoo" typeface="Ebrima"/>
+        <a:font script="Olck" typeface="Nirmala UI"/>
+        <a:font script="Osma" typeface="Ebrima"/>
+        <a:font script="Phag" typeface="Phagspa"/>
+        <a:font script="Syrn" typeface="Estrangelo Edessa"/>
+        <a:font script="Syrj" typeface="Estrangelo Edessa"/>
+        <a:font script="Syre" typeface="Estrangelo Edessa"/>
+        <a:font script="Sora" typeface="Nirmala UI"/>
+        <a:font script="Tale" typeface="Microsoft Tai Le"/>
+        <a:font script="Talu" typeface="Microsoft New Tai Lue"/>
+        <a:font script="Tfng" typeface="Ebrima"/>
+      </a:minorFont>
+    </a:fontScheme>
+    <a:fmtScheme name="Office">
+      <a:fillStyleLst>
+        <a:solidFill>
+          <a:schemeClr val="phClr"/>
+        </a:solidFill>
+        <a:gradFill rotWithShape="1">
+          <a:gsLst>
+            <a:gs pos="0">
+              <a:schemeClr val="phClr">
+                <a:lumMod val="110000"/>
+                <a:satMod val="105000"/>
+                <a:tint val="67000"/>
+              </a:schemeClr>
+            </a:gs>
+            <a:gs pos="50000">
+              <a:schemeClr val="phClr">
+                <a:lumMod val="105000"/>
+                <a:satMod val="103000"/>
+                <a:tint val="73000"/>
+              </a:schemeClr>
+            </a:gs>
+            <a:gs pos="100000">
+              <a:schemeClr val="phClr">
+                <a:lumMod val="105000"/>
+                <a:satMod val="109000"/>
+                <a:tint val="81000"/>
+              </a:schemeClr>
+            </a:gs>
+          </a:gsLst>
+          <a:lin ang="5400000" scaled="0"/>
+        </a:gradFill>
+        <a:gradFill rotWithShape="1">
+          <a:gsLst>
+            <a:gs pos="0">
+              <a:schemeClr val="phClr">
+                <a:satMod val="103000"/>
+                <a:lumMod val="102000"/>
+                <a:tint val="94000"/>
+              </a:schemeClr>
+            </a:gs>
+            <a:gs pos="50000">
+              <a:schemeClr val="phClr">
+                <a:satMod val="110000"/>
+                <a:lumMod val="100000"/>
+                <a:shade val="100000"/>
+              </a:schemeClr>
+            </a:gs>
+            <a:gs pos="100000">
+              <a:schemeClr val="phClr">
+                <a:lumMod val="99000"/>
+                <a:satMod val="120000"/>
+                <a:shade val="78000"/>
+              </a:schemeClr>
+            </a:gs>
+          </a:gsLst>
+          <a:lin ang="5400000" scaled="0"/>
+        </a:gradFill>
+      </a:fillStyleLst>
+      <a:lnStyleLst>
+        <a:ln w="6350" cap="flat" cmpd="sng" algn="ctr">
+          <a:solidFill>
+            <a:schemeClr val="phClr"/>
+          </a:solidFill>
+          <a:prstDash val="solid"/>
+          <a:miter lim="800000"/>
+        </a:ln>
+        <a:ln w="12700" cap="flat" cmpd="sng" algn="ctr">
+          <a:solidFill>
+            <a:schemeClr val="phClr"/>
+          </a:solidFill>
+          <a:prstDash val="solid"/>
+          <a:miter lim="800000"/>
+        </a:ln>
+        <a:ln w="19050" cap="flat" cmpd="sng" algn="ctr">
+          <a:solidFill>
+            <a:schemeClr val="phClr"/>
+          </a:solidFill>
+          <a:prstDash val="solid"/>
+          <a:miter lim="800000"/>
+        </a:ln>
+      </a:lnStyleLst>
+      <a:effectStyleLst>
+        <a:effectStyle>
+          <a:effectLst/>
+        </a:effectStyle>
+        <a:effectStyle>
+          <a:effectLst/>
+        </a:effectStyle>
+        <a:effectStyle>
+          <a:effectLst>
+            <a:outerShdw blurRad="57150" dist="19050" dir="5400000" algn="ctr" rotWithShape="0">
+              <a:srgbClr val="000000">
+                <a:alpha val="63000"/>
+              </a:srgbClr>
+            </a:outerShdw>
+          </a:effectLst>
+        </a:effectStyle>
+      </a:effectStyleLst>
+      <a:bgFillStyleLst>
+        <a:solidFill>
+          <a:schemeClr val="phClr"/>
+        </a:solidFill>
+        <a:solidFill>
+          <a:schemeClr val="phClr">
+            <a:tint val="95000"/>
+            <a:satMod val="170000"/>
+          </a:schemeClr>
+        </a:solidFill>
+        <a:gradFill rotWithShape="1">
+          <a:gsLst>
+            <a:gs pos="0">
+              <a:schemeClr val="phClr">
+                <a:tint val="93000"/>
+                <a:satMod val="150000"/>
+                <a:shade val="98000"/>
+                <a:lumMod val="102000"/>
+              </a:schemeClr>
+            </a:gs>
+            <a:gs pos="50000">
+              <a:schemeClr val="phClr">
+                <a:tint val="98000"/>
+                <a:satMod val="130000"/>
+                <a:shade val="90000"/>
+                <a:lumMod val="103000"/>
+              </a:schemeClr>
+            </a:gs>
+            <a:gs pos="100000">
+              <a:schemeClr val="phClr">
+                <a:shade val="63000"/>
+                <a:satMod val="120000"/>
+              </a:schemeClr>
+            </a:gs>
+          </a:gsLst>
+          <a:lin ang="5400000" scaled="0"/>
+        </a:gradFill>
+      </a:bgFillStyleLst>
+    </a:fmtScheme>
+  </a:themeElements>
+  <a:objectDefaults/>
+  <a:extraClrSchemeLst/>
+  <a:extLst>
+    <a:ext uri="{05A4C25C-085E-4340-85A3-A5531E510DB2}">
+      <thm15:themeFamily xmlns:thm15="http://schemas.microsoft.com/office/thememl/2012/main" name="Office Theme" id="{62F939B6-93AF-4DB8-9C6B-D6C7DFDC589F}" vid="{4A3C46E8-61CC-4603-A589-7422A47A8E4A}"/>
+    </a:ext>
+  </a:extLst>
+</a:theme>
 </file>